--- a/aspnetcore/slides/07_razorpages.pptx
+++ b/aspnetcore/slides/07_razorpages.pptx
@@ -303,7 +303,7 @@
               <a:pPr>
                 <a:defRPr/>
               </a:pPr>
-              <a:t>10/26/2018</a:t>
+              <a:t>9/3/2019</a:t>
             </a:fld>
             <a:endParaRPr lang="en-US"/>
           </a:p>
@@ -5219,7 +5219,7 @@
           <a:p>
             <a:r>
               <a:rPr lang="en-US" dirty="0"/>
-              <a:t>Razor Pages are part of MVC</a:t>
+              <a:t>Razor Pages are part of ASP.NET Core</a:t>
             </a:r>
           </a:p>
         </p:txBody>
@@ -5245,16 +5245,25 @@
           <a:bodyPr/>
           <a:lstStyle/>
           <a:p>
-            <a:endParaRPr lang="en-US"/>
+            <a:r>
+              <a:rPr lang="en-US" dirty="0"/>
+              <a:t>Add the service</a:t>
+            </a:r>
+          </a:p>
+          <a:p>
+            <a:r>
+              <a:rPr lang="en-US" dirty="0"/>
+              <a:t>Add the endpoints</a:t>
+            </a:r>
           </a:p>
         </p:txBody>
       </p:sp>
       <p:pic>
         <p:nvPicPr>
-          <p:cNvPr id="4" name="Picture 3">
+          <p:cNvPr id="5" name="Picture 4">
             <a:extLst>
               <a:ext uri="{FF2B5EF4-FFF2-40B4-BE49-F238E27FC236}">
-                <a16:creationId xmlns:a16="http://schemas.microsoft.com/office/drawing/2014/main" id="{76C2076F-6DA7-475B-BC93-16BD97670ECF}"/>
+                <a16:creationId xmlns:a16="http://schemas.microsoft.com/office/drawing/2014/main" id="{EE5CC65A-167D-4C5C-A223-4748C273C4E9}"/>
               </a:ext>
             </a:extLst>
           </p:cNvPr>
@@ -5271,22 +5280,12 @@
         </p:blipFill>
         <p:spPr>
           <a:xfrm>
-            <a:off x="579570" y="2438400"/>
-            <a:ext cx="8077200" cy="2995955"/>
+            <a:off x="2514600" y="3200400"/>
+            <a:ext cx="3753043" cy="844593"/>
           </a:xfrm>
           <a:prstGeom prst="rect">
             <a:avLst/>
           </a:prstGeom>
-          <a:ln>
-            <a:noFill/>
-          </a:ln>
-          <a:effectLst>
-            <a:outerShdw blurRad="190500" algn="tl" rotWithShape="0">
-              <a:srgbClr val="000000">
-                <a:alpha val="70000"/>
-              </a:srgbClr>
-            </a:outerShdw>
-          </a:effectLst>
         </p:spPr>
       </p:pic>
     </p:spTree>
